--- a/2025-02-08/Infrastructure.pptx
+++ b/2025-02-08/Infrastructure.pptx
@@ -290,7 +290,7 @@
               <a:pPr>
                 <a:defRPr/>
               </a:pPr>
-              <a:t>07.02.2025</a:t>
+              <a:t>08.02.2025</a:t>
             </a:fld>
             <a:endParaRPr lang="de-AT"/>
           </a:p>
@@ -505,7 +505,7 @@
               <a:pPr>
                 <a:defRPr/>
               </a:pPr>
-              <a:t>07.02.2025</a:t>
+              <a:t>08.02.2025</a:t>
             </a:fld>
             <a:endParaRPr lang="de-AT"/>
           </a:p>
@@ -2188,7 +2188,40 @@
           <a:p>
             <a:r>
               <a:rPr lang="de-AT" dirty="0"/>
-              <a:t>WLAN:	</a:t>
+              <a:t>WLAN	</a:t>
+            </a:r>
+          </a:p>
+          <a:p>
+            <a:pPr lvl="1"/>
+            <a:r>
+              <a:rPr lang="de-AT" dirty="0"/>
+              <a:t>SSID: </a:t>
+            </a:r>
+            <a:r>
+              <a:rPr lang="de-AT" dirty="0" err="1"/>
+              <a:t>iot</a:t>
+            </a:r>
+            <a:r>
+              <a:rPr lang="de-AT" dirty="0"/>
+              <a:t> </a:t>
+            </a:r>
+          </a:p>
+          <a:p>
+            <a:pPr lvl="1"/>
+            <a:r>
+              <a:rPr lang="de-AT" dirty="0" err="1"/>
+              <a:t>password:smarthome</a:t>
+            </a:r>
+            <a:endParaRPr lang="de-AT" dirty="0"/>
+          </a:p>
+          <a:p>
+            <a:pPr lvl="1"/>
+            <a:endParaRPr lang="de-AT" dirty="0"/>
+          </a:p>
+          <a:p>
+            <a:r>
+              <a:rPr lang="de-AT" dirty="0"/>
+              <a:t>MQTT:	192.168.2.3   </a:t>
             </a:r>
             <a:r>
               <a:rPr lang="de-AT" dirty="0" err="1"/>
@@ -2200,27 +2233,11 @@
             </a:r>
             <a:r>
               <a:rPr lang="de-AT" dirty="0" err="1"/>
-              <a:t>smarthome</a:t>
+              <a:t>passme</a:t>
             </a:r>
             <a:endParaRPr lang="de-AT" dirty="0"/>
           </a:p>
           <a:p>
-            <a:r>
-              <a:rPr lang="de-AT" dirty="0"/>
-              <a:t>MQTT:	192.168.x.x./</a:t>
-            </a:r>
-            <a:r>
-              <a:rPr lang="de-AT" dirty="0" err="1"/>
-              <a:t>leo</a:t>
-            </a:r>
-            <a:r>
-              <a:rPr lang="de-AT" dirty="0"/>
-              <a:t>/</a:t>
-            </a:r>
-            <a:r>
-              <a:rPr lang="de-AT" dirty="0" err="1"/>
-              <a:t>passme</a:t>
-            </a:r>
             <a:endParaRPr lang="de-AT" dirty="0"/>
           </a:p>
           <a:p>
@@ -2246,7 +2263,7 @@
             <a:pPr lvl="1"/>
             <a:r>
               <a:rPr lang="de-AT" dirty="0"/>
-              <a:t>192.168.x.x:8123</a:t>
+              <a:t>192.168.2.xx:8123</a:t>
             </a:r>
           </a:p>
           <a:p>
